--- a/English/1.Importation techniques/6.Importing OData.pptx
+++ b/English/1.Importation techniques/6.Importing OData.pptx
@@ -17,7 +17,7 @@
   <p:notesSz cx="6858000" cy="9144000"/>
   <p:defaultTextStyle>
     <a:defPPr>
-      <a:defRPr lang="en-US"/>
+      <a:defRPr lang="en"/>
     </a:defPPr>
     <a:lvl1pPr marL="0" algn="l" defTabSz="914400" rtl="0" eaLnBrk="1" latinLnBrk="0" hangingPunct="1">
       <a:defRPr sz="1800" kern="1200">
@@ -200,7 +200,7 @@
           <a:p>
             <a:fld id="{056BA3B8-9F76-4D81-B71D-76CB85363062}" type="datetimeFigureOut">
               <a:rPr lang="en-US" smtClean="0"/>
-              <a:t>12/30/2024</a:t>
+              <a:t>2/25/2025</a:t>
             </a:fld>
             <a:endParaRPr lang="en-US"/>
           </a:p>
@@ -767,7 +767,7 @@
           <a:p>
             <a:fld id="{6F01DA4D-20EA-48D2-973C-0311EC3005D6}" type="datetimeFigureOut">
               <a:rPr lang="en-US" smtClean="0"/>
-              <a:t>12/30/2024</a:t>
+              <a:t>2/25/2025</a:t>
             </a:fld>
             <a:endParaRPr lang="en-US"/>
           </a:p>
@@ -937,7 +937,7 @@
           <a:p>
             <a:fld id="{6F01DA4D-20EA-48D2-973C-0311EC3005D6}" type="datetimeFigureOut">
               <a:rPr lang="en-US" smtClean="0"/>
-              <a:t>12/30/2024</a:t>
+              <a:t>2/25/2025</a:t>
             </a:fld>
             <a:endParaRPr lang="en-US"/>
           </a:p>
@@ -1117,7 +1117,7 @@
           <a:p>
             <a:fld id="{6F01DA4D-20EA-48D2-973C-0311EC3005D6}" type="datetimeFigureOut">
               <a:rPr lang="en-US" smtClean="0"/>
-              <a:t>12/30/2024</a:t>
+              <a:t>2/25/2025</a:t>
             </a:fld>
             <a:endParaRPr lang="en-US"/>
           </a:p>
@@ -1287,7 +1287,7 @@
           <a:p>
             <a:fld id="{6F01DA4D-20EA-48D2-973C-0311EC3005D6}" type="datetimeFigureOut">
               <a:rPr lang="en-US" smtClean="0"/>
-              <a:t>12/30/2024</a:t>
+              <a:t>2/25/2025</a:t>
             </a:fld>
             <a:endParaRPr lang="en-US"/>
           </a:p>
@@ -1533,7 +1533,7 @@
           <a:p>
             <a:fld id="{6F01DA4D-20EA-48D2-973C-0311EC3005D6}" type="datetimeFigureOut">
               <a:rPr lang="en-US" smtClean="0"/>
-              <a:t>12/30/2024</a:t>
+              <a:t>2/25/2025</a:t>
             </a:fld>
             <a:endParaRPr lang="en-US"/>
           </a:p>
@@ -1765,7 +1765,7 @@
           <a:p>
             <a:fld id="{6F01DA4D-20EA-48D2-973C-0311EC3005D6}" type="datetimeFigureOut">
               <a:rPr lang="en-US" smtClean="0"/>
-              <a:t>12/30/2024</a:t>
+              <a:t>2/25/2025</a:t>
             </a:fld>
             <a:endParaRPr lang="en-US"/>
           </a:p>
@@ -2132,7 +2132,7 @@
           <a:p>
             <a:fld id="{6F01DA4D-20EA-48D2-973C-0311EC3005D6}" type="datetimeFigureOut">
               <a:rPr lang="en-US" smtClean="0"/>
-              <a:t>12/30/2024</a:t>
+              <a:t>2/25/2025</a:t>
             </a:fld>
             <a:endParaRPr lang="en-US"/>
           </a:p>
@@ -2250,7 +2250,7 @@
           <a:p>
             <a:fld id="{6F01DA4D-20EA-48D2-973C-0311EC3005D6}" type="datetimeFigureOut">
               <a:rPr lang="en-US" smtClean="0"/>
-              <a:t>12/30/2024</a:t>
+              <a:t>2/25/2025</a:t>
             </a:fld>
             <a:endParaRPr lang="en-US"/>
           </a:p>
@@ -2345,7 +2345,7 @@
           <a:p>
             <a:fld id="{6F01DA4D-20EA-48D2-973C-0311EC3005D6}" type="datetimeFigureOut">
               <a:rPr lang="en-US" smtClean="0"/>
-              <a:t>12/30/2024</a:t>
+              <a:t>2/25/2025</a:t>
             </a:fld>
             <a:endParaRPr lang="en-US"/>
           </a:p>
@@ -2622,7 +2622,7 @@
           <a:p>
             <a:fld id="{6F01DA4D-20EA-48D2-973C-0311EC3005D6}" type="datetimeFigureOut">
               <a:rPr lang="en-US" smtClean="0"/>
-              <a:t>12/30/2024</a:t>
+              <a:t>2/25/2025</a:t>
             </a:fld>
             <a:endParaRPr lang="en-US"/>
           </a:p>
@@ -2875,7 +2875,7 @@
           <a:p>
             <a:fld id="{6F01DA4D-20EA-48D2-973C-0311EC3005D6}" type="datetimeFigureOut">
               <a:rPr lang="en-US" smtClean="0"/>
-              <a:t>12/30/2024</a:t>
+              <a:t>2/25/2025</a:t>
             </a:fld>
             <a:endParaRPr lang="en-US"/>
           </a:p>
@@ -3088,7 +3088,7 @@
           <a:p>
             <a:fld id="{6F01DA4D-20EA-48D2-973C-0311EC3005D6}" type="datetimeFigureOut">
               <a:rPr lang="en-US" smtClean="0"/>
-              <a:t>12/30/2024</a:t>
+              <a:t>2/25/2025</a:t>
             </a:fld>
             <a:endParaRPr lang="en-US"/>
           </a:p>
@@ -3523,9 +3523,9 @@
           </a:bodyPr>
           <a:lstStyle/>
           <a:p>
-            <a:pPr algn="ctr"/>
-            <a:r>
-              <a:rPr lang="en-US" sz="8000" b="1" dirty="0" smtClean="0">
+            <a:pPr xmlns:a="http://schemas.openxmlformats.org/drawingml/2006/main" algn="ctr"/>
+            <a:r xmlns:a="http://schemas.openxmlformats.org/drawingml/2006/main">
+              <a:rPr lang="en" sz="8000" b="1" dirty="0" smtClean="0">
                 <a:solidFill>
                   <a:srgbClr val="7030A0"/>
                 </a:solidFill>
@@ -3535,8 +3535,8 @@
               </a:rPr>
               <a:t>Import </a:t>
             </a:r>
-            <a:r>
-              <a:rPr lang="fr-FR" sz="8000" b="1" dirty="0" err="1" smtClean="0">
+            <a:r xmlns:a="http://schemas.openxmlformats.org/drawingml/2006/main">
+              <a:rPr lang="en" sz="8000" b="1" dirty="0" err="1" smtClean="0">
                 <a:solidFill>
                   <a:srgbClr val="7030A0"/>
                 </a:solidFill>
@@ -3546,7 +3546,7 @@
               </a:rPr>
               <a:t>OData</a:t>
             </a:r>
-            <a:endParaRPr lang="en-US" sz="8000" b="1" dirty="0">
+            <a:endParaRPr xmlns:a="http://schemas.openxmlformats.org/drawingml/2006/main" lang="en-US" sz="8000" b="1" dirty="0">
               <a:solidFill>
                 <a:srgbClr val="7030A0"/>
               </a:solidFill>
@@ -3565,7 +3565,7 @@
         </p:nvSpPr>
         <p:spPr>
           <a:xfrm>
-            <a:off x="1401446" y="2145286"/>
+            <a:off x="1401447" y="2117064"/>
             <a:ext cx="9199606" cy="1323439"/>
           </a:xfrm>
           <a:prstGeom prst="rect">
@@ -3579,9 +3579,9 @@
           </a:bodyPr>
           <a:lstStyle/>
           <a:p>
-            <a:pPr algn="ctr"/>
-            <a:r>
-              <a:rPr lang="en-US" sz="8000" b="1" dirty="0" smtClean="0">
+            <a:pPr xmlns:a="http://schemas.openxmlformats.org/drawingml/2006/main" algn="ctr"/>
+            <a:r xmlns:a="http://schemas.openxmlformats.org/drawingml/2006/main">
+              <a:rPr lang="en" sz="8000" b="1" dirty="0" smtClean="0">
                 <a:solidFill>
                   <a:schemeClr val="bg1"/>
                 </a:solidFill>
@@ -3591,7 +3591,7 @@
               </a:rPr>
               <a:t>Import OData</a:t>
             </a:r>
-            <a:endParaRPr lang="en-US" sz="8000" b="1" dirty="0">
+            <a:endParaRPr xmlns:a="http://schemas.openxmlformats.org/drawingml/2006/main" lang="en-US" sz="8000" b="1" dirty="0">
               <a:solidFill>
                 <a:schemeClr val="bg1"/>
               </a:solidFill>
@@ -3648,7 +3648,7 @@
         <p:spPr>
           <a:xfrm>
             <a:off x="449178" y="216445"/>
-            <a:ext cx="2028119" cy="366895"/>
+            <a:ext cx="1896673" cy="366895"/>
           </a:xfrm>
           <a:prstGeom prst="rect">
             <a:avLst/>
@@ -3660,7 +3660,7 @@
           </a:bodyPr>
           <a:lstStyle/>
           <a:p>
-            <a:pPr>
+            <a:pPr xmlns:a="http://schemas.openxmlformats.org/drawingml/2006/main">
               <a:lnSpc>
                 <a:spcPct val="107000"/>
               </a:lnSpc>
@@ -3671,163 +3671,17 @@
                 <a:spcPts val="0"/>
               </a:spcAft>
             </a:pPr>
-            <a:r>
-              <a:rPr lang="en-US" b="1" kern="0" dirty="0" smtClean="0">
+            <a:r xmlns:a="http://schemas.openxmlformats.org/drawingml/2006/main">
+              <a:rPr lang="en" b="1" kern="0" dirty="0" smtClean="0">
                 <a:latin typeface="Segoe UI" panose="020B0502040204020203" pitchFamily="34" charset="0"/>
                 <a:ea typeface="Times New Roman" panose="02020603050405020304" pitchFamily="18" charset="0"/>
                 <a:cs typeface="Times New Roman" panose="02020603050405020304" pitchFamily="18" charset="0"/>
               </a:rPr>
-              <a:t>Importing </a:t>
-            </a:r>
-            <a:r>
-              <a:rPr lang="en-US" b="1" kern="0" dirty="0" smtClean="0">
-                <a:latin typeface="Segoe UI" panose="020B0502040204020203" pitchFamily="34" charset="0"/>
-                <a:ea typeface="Times New Roman" panose="02020603050405020304" pitchFamily="18" charset="0"/>
-                <a:cs typeface="Times New Roman" panose="02020603050405020304" pitchFamily="18" charset="0"/>
-              </a:rPr>
-              <a:t>OData</a:t>
-            </a:r>
-            <a:endParaRPr lang="en-US" b="1" kern="0" dirty="0">
+              <a:t>Import OData</a:t>
+            </a:r>
+            <a:endParaRPr xmlns:a="http://schemas.openxmlformats.org/drawingml/2006/main" lang="en-US" b="1" kern="0" dirty="0">
               <a:latin typeface="Segoe UI" panose="020B0502040204020203" pitchFamily="34" charset="0"/>
               <a:ea typeface="Times New Roman" panose="02020603050405020304" pitchFamily="18" charset="0"/>
-              <a:cs typeface="Times New Roman" panose="02020603050405020304" pitchFamily="18" charset="0"/>
-            </a:endParaRPr>
-          </a:p>
-        </p:txBody>
-      </p:sp>
-      <p:sp>
-        <p:nvSpPr>
-          <p:cNvPr id="5" name="Rectangle 4"/>
-          <p:cNvSpPr/>
-          <p:nvPr/>
-        </p:nvSpPr>
-        <p:spPr>
-          <a:xfrm>
-            <a:off x="366888" y="789182"/>
-            <a:ext cx="10041467" cy="388696"/>
-          </a:xfrm>
-          <a:prstGeom prst="rect">
-            <a:avLst/>
-          </a:prstGeom>
-        </p:spPr>
-        <p:txBody>
-          <a:bodyPr wrap="square">
-            <a:spAutoFit/>
-          </a:bodyPr>
-          <a:lstStyle/>
-          <a:p>
-            <a:pPr lvl="0">
-              <a:lnSpc>
-                <a:spcPct val="107000"/>
-              </a:lnSpc>
-              <a:spcAft>
-                <a:spcPts val="800"/>
-              </a:spcAft>
-            </a:pPr>
-            <a:r>
-              <a:rPr lang="fr-FR" dirty="0">
-                <a:latin typeface="Segoe UI" panose="020B0502040204020203" pitchFamily="34" charset="0"/>
-                <a:ea typeface="Calibri" panose="020F0502020204030204" pitchFamily="34" charset="0"/>
-                <a:cs typeface="Times New Roman" panose="02020603050405020304" pitchFamily="18" charset="0"/>
-              </a:rPr>
-              <a:t>Open the </a:t>
-            </a:r>
-            <a:r>
-              <a:rPr lang="fr-FR" dirty="0" err="1">
-                <a:latin typeface="Segoe UI" panose="020B0502040204020203" pitchFamily="34" charset="0"/>
-                <a:ea typeface="Calibri" panose="020F0502020204030204" pitchFamily="34" charset="0"/>
-                <a:cs typeface="Times New Roman" panose="02020603050405020304" pitchFamily="18" charset="0"/>
-              </a:rPr>
-              <a:t>website</a:t>
-            </a:r>
-            <a:r>
-              <a:rPr lang="fr-FR" dirty="0">
-                <a:latin typeface="Segoe UI" panose="020B0502040204020203" pitchFamily="34" charset="0"/>
-                <a:ea typeface="Calibri" panose="020F0502020204030204" pitchFamily="34" charset="0"/>
-                <a:cs typeface="Times New Roman" panose="02020603050405020304" pitchFamily="18" charset="0"/>
-              </a:rPr>
-              <a:t> </a:t>
-            </a:r>
-            <a:r>
-              <a:rPr lang="fr-FR" u="sng" dirty="0">
-                <a:solidFill>
-                  <a:srgbClr val="0563C1"/>
-                </a:solidFill>
-                <a:latin typeface="Segoe UI" panose="020B0502040204020203" pitchFamily="34" charset="0"/>
-                <a:ea typeface="Calibri" panose="020F0502020204030204" pitchFamily="34" charset="0"/>
-                <a:cs typeface="Times New Roman" panose="02020603050405020304" pitchFamily="18" charset="0"/>
-                <a:hlinkClick r:id="rId3"/>
-              </a:rPr>
-              <a:t>www.odata.org/odata-services </a:t>
-            </a:r>
-            <a:r>
-              <a:rPr lang="fr-FR" dirty="0">
-                <a:latin typeface="Segoe UI" panose="020B0502040204020203" pitchFamily="34" charset="0"/>
-                <a:ea typeface="Calibri" panose="020F0502020204030204" pitchFamily="34" charset="0"/>
-                <a:cs typeface="Times New Roman" panose="02020603050405020304" pitchFamily="18" charset="0"/>
-              </a:rPr>
-              <a:t>and </a:t>
-            </a:r>
-            <a:r>
-              <a:rPr lang="fr-FR" dirty="0" err="1">
-                <a:latin typeface="Segoe UI" panose="020B0502040204020203" pitchFamily="34" charset="0"/>
-                <a:ea typeface="Calibri" panose="020F0502020204030204" pitchFamily="34" charset="0"/>
-                <a:cs typeface="Times New Roman" panose="02020603050405020304" pitchFamily="18" charset="0"/>
-              </a:rPr>
-              <a:t>choose</a:t>
-            </a:r>
-            <a:r>
-              <a:rPr lang="fr-FR" dirty="0">
-                <a:latin typeface="Segoe UI" panose="020B0502040204020203" pitchFamily="34" charset="0"/>
-                <a:ea typeface="Calibri" panose="020F0502020204030204" pitchFamily="34" charset="0"/>
-                <a:cs typeface="Times New Roman" panose="02020603050405020304" pitchFamily="18" charset="0"/>
-              </a:rPr>
-              <a:t> a </a:t>
-            </a:r>
-            <a:r>
-              <a:rPr lang="fr-FR" dirty="0" err="1">
-                <a:latin typeface="Segoe UI" panose="020B0502040204020203" pitchFamily="34" charset="0"/>
-                <a:ea typeface="Calibri" panose="020F0502020204030204" pitchFamily="34" charset="0"/>
-                <a:cs typeface="Times New Roman" panose="02020603050405020304" pitchFamily="18" charset="0"/>
-              </a:rPr>
-              <a:t>link</a:t>
-            </a:r>
-            <a:r>
-              <a:rPr lang="fr-FR" dirty="0">
-                <a:latin typeface="Segoe UI" panose="020B0502040204020203" pitchFamily="34" charset="0"/>
-                <a:ea typeface="Calibri" panose="020F0502020204030204" pitchFamily="34" charset="0"/>
-                <a:cs typeface="Times New Roman" panose="02020603050405020304" pitchFamily="18" charset="0"/>
-              </a:rPr>
-              <a:t> to a </a:t>
-            </a:r>
-            <a:r>
-              <a:rPr lang="fr-FR" dirty="0" err="1">
-                <a:latin typeface="Segoe UI" panose="020B0502040204020203" pitchFamily="34" charset="0"/>
-                <a:ea typeface="Calibri" panose="020F0502020204030204" pitchFamily="34" charset="0"/>
-                <a:cs typeface="Times New Roman" panose="02020603050405020304" pitchFamily="18" charset="0"/>
-              </a:rPr>
-              <a:t>dataset</a:t>
-            </a:r>
-            <a:r>
-              <a:rPr lang="fr-FR" dirty="0">
-                <a:latin typeface="Segoe UI" panose="020B0502040204020203" pitchFamily="34" charset="0"/>
-                <a:ea typeface="Calibri" panose="020F0502020204030204" pitchFamily="34" charset="0"/>
-                <a:cs typeface="Times New Roman" panose="02020603050405020304" pitchFamily="18" charset="0"/>
-              </a:rPr>
-              <a:t> </a:t>
-            </a:r>
-            <a:r>
-              <a:rPr lang="fr-FR" dirty="0" err="1">
-                <a:latin typeface="Segoe UI" panose="020B0502040204020203" pitchFamily="34" charset="0"/>
-                <a:ea typeface="Calibri" panose="020F0502020204030204" pitchFamily="34" charset="0"/>
-                <a:cs typeface="Times New Roman" panose="02020603050405020304" pitchFamily="18" charset="0"/>
-              </a:rPr>
-              <a:t>entity</a:t>
-            </a:r>
-            <a:endParaRPr lang="en-US" sz="1400" dirty="0">
-              <a:effectLst/>
-              <a:latin typeface="Calibri" panose="020F0502020204030204" pitchFamily="34" charset="0"/>
-              <a:ea typeface="Calibri" panose="020F0502020204030204" pitchFamily="34" charset="0"/>
               <a:cs typeface="Times New Roman" panose="02020603050405020304" pitchFamily="18" charset="0"/>
             </a:endParaRPr>
           </a:p>
@@ -3842,7 +3696,7 @@
           <p:nvPr/>
         </p:nvPicPr>
         <p:blipFill>
-          <a:blip r:embed="rId4"/>
+          <a:blip r:embed="rId3"/>
           <a:stretch>
             <a:fillRect/>
           </a:stretch>
@@ -3867,6 +3721,124 @@
           </a:effectLst>
         </p:spPr>
       </p:pic>
+      <p:sp>
+        <p:nvSpPr>
+          <p:cNvPr id="2" name="Rectangle 1"/>
+          <p:cNvSpPr>
+            <a:spLocks noChangeArrowheads="1"/>
+          </p:cNvSpPr>
+          <p:nvPr/>
+        </p:nvSpPr>
+        <p:spPr bwMode="auto">
+          <a:xfrm>
+            <a:off x="449178" y="715623"/>
+            <a:ext cx="10681666" cy="369332"/>
+          </a:xfrm>
+          <a:prstGeom prst="rect">
+            <a:avLst/>
+          </a:prstGeom>
+          <a:noFill/>
+          <a:ln>
+            <a:noFill/>
+          </a:ln>
+          <a:effectLst/>
+          <a:extLst>
+            <a:ext uri="{909E8E84-426E-40DD-AFC4-6F175D3DCCD1}">
+              <a14:hiddenFill xmlns:a14="http://schemas.microsoft.com/office/drawing/2010/main">
+                <a:solidFill>
+                  <a:schemeClr val="accent1"/>
+                </a:solidFill>
+              </a14:hiddenFill>
+            </a:ext>
+            <a:ext uri="{91240B29-F687-4F45-9708-019B960494DF}">
+              <a14:hiddenLine xmlns:a14="http://schemas.microsoft.com/office/drawing/2010/main" w="9525">
+                <a:solidFill>
+                  <a:schemeClr val="tx1"/>
+                </a:solidFill>
+                <a:miter lim="800000"/>
+                <a:headEnd/>
+                <a:tailEnd/>
+              </a14:hiddenLine>
+            </a:ext>
+            <a:ext uri="{AF507438-7753-43E0-B8FC-AC1667EBCBE1}">
+              <a14:hiddenEffects xmlns:a14="http://schemas.microsoft.com/office/drawing/2010/main">
+                <a:effectLst>
+                  <a:outerShdw dist="35921" dir="2700000" algn="ctr" rotWithShape="0">
+                    <a:schemeClr val="bg2"/>
+                  </a:outerShdw>
+                </a:effectLst>
+              </a14:hiddenEffects>
+            </a:ext>
+          </a:extLst>
+        </p:spPr>
+        <p:txBody>
+          <a:bodyPr vert="horz" wrap="square" lIns="91440" tIns="45720" rIns="91440" bIns="45720" numCol="1" anchor="ctr" anchorCtr="0" compatLnSpc="1">
+            <a:prstTxWarp prst="textNoShape">
+              <a:avLst/>
+            </a:prstTxWarp>
+            <a:spAutoFit/>
+          </a:bodyPr>
+          <a:lstStyle/>
+          <a:p>
+            <a:pPr xmlns:a="http://schemas.openxmlformats.org/drawingml/2006/main" marL="0" marR="0" lvl="0" indent="0" algn="l" defTabSz="914400" rtl="0" eaLnBrk="0" fontAlgn="base" latinLnBrk="0" hangingPunct="0">
+              <a:lnSpc>
+                <a:spcPct val="100000"/>
+              </a:lnSpc>
+              <a:spcBef>
+                <a:spcPct val="0"/>
+              </a:spcBef>
+              <a:spcAft>
+                <a:spcPct val="0"/>
+              </a:spcAft>
+              <a:buClrTx/>
+              <a:buSzTx/>
+              <a:buFontTx/>
+              <a:buNone/>
+              <a:tabLst/>
+            </a:pPr>
+            <a:r xmlns:a="http://schemas.openxmlformats.org/drawingml/2006/main">
+              <a:rPr kumimoji="0" lang="en" altLang="en-US" sz="1800" b="0" i="0" u="none" strike="noStrike" cap="none" normalizeH="0" baseline="0" smtClean="0">
+                <a:ln>
+                  <a:noFill/>
+                </a:ln>
+                <a:solidFill>
+                  <a:schemeClr val="tx1"/>
+                </a:solidFill>
+                <a:effectLst/>
+                <a:latin typeface="Arial" panose="020B0604020202020204" pitchFamily="34" charset="0"/>
+              </a:rPr>
+              <a:t>Open the website </a:t>
+            </a:r>
+            <a:r xmlns:a="http://schemas.openxmlformats.org/drawingml/2006/main" xmlns:r="http://schemas.openxmlformats.org/officeDocument/2006/relationships">
+              <a:rPr kumimoji="0" lang="en" altLang="en-US" sz="1800" b="1" i="0" u="none" strike="noStrike" cap="none" normalizeH="0" baseline="0" smtClean="0">
+                <a:ln>
+                  <a:noFill/>
+                </a:ln>
+                <a:solidFill>
+                  <a:schemeClr val="tx1"/>
+                </a:solidFill>
+                <a:effectLst/>
+                <a:latin typeface="Arial" panose="020B0604020202020204" pitchFamily="34" charset="0"/>
+                <a:hlinkClick r:id="rId4"/>
+              </a:rPr>
+              <a:t>www.odata.org/odata-services </a:t>
+            </a:r>
+            <a:r xmlns:a="http://schemas.openxmlformats.org/drawingml/2006/main">
+              <a:rPr kumimoji="0" lang="en" altLang="en-US" sz="1800" b="0" i="0" u="none" strike="noStrike" cap="none" normalizeH="0" baseline="0" smtClean="0">
+                <a:ln>
+                  <a:noFill/>
+                </a:ln>
+                <a:solidFill>
+                  <a:schemeClr val="tx1"/>
+                </a:solidFill>
+                <a:effectLst/>
+                <a:latin typeface="Arial" panose="020B0604020202020204" pitchFamily="34" charset="0"/>
+              </a:rPr>
+              <a:t>and choose a link to a dataset entity.</a:t>
+            </a:r>
+          </a:p>
+        </p:txBody>
+      </p:sp>
     </p:spTree>
     <p:extLst>
       <p:ext uri="{BB962C8B-B14F-4D97-AF65-F5344CB8AC3E}">
@@ -3913,7 +3885,7 @@
         <p:spPr>
           <a:xfrm>
             <a:off x="449178" y="216445"/>
-            <a:ext cx="2028119" cy="366895"/>
+            <a:ext cx="1896673" cy="366895"/>
           </a:xfrm>
           <a:prstGeom prst="rect">
             <a:avLst/>
@@ -3925,7 +3897,7 @@
           </a:bodyPr>
           <a:lstStyle/>
           <a:p>
-            <a:pPr>
+            <a:pPr xmlns:a="http://schemas.openxmlformats.org/drawingml/2006/main">
               <a:lnSpc>
                 <a:spcPct val="107000"/>
               </a:lnSpc>
@@ -3936,23 +3908,15 @@
                 <a:spcPts val="0"/>
               </a:spcAft>
             </a:pPr>
-            <a:r>
-              <a:rPr lang="en-US" b="1" kern="0" dirty="0" smtClean="0">
+            <a:r xmlns:a="http://schemas.openxmlformats.org/drawingml/2006/main">
+              <a:rPr lang="en" b="1" kern="0" dirty="0" smtClean="0">
                 <a:latin typeface="Segoe UI" panose="020B0502040204020203" pitchFamily="34" charset="0"/>
                 <a:ea typeface="Times New Roman" panose="02020603050405020304" pitchFamily="18" charset="0"/>
                 <a:cs typeface="Times New Roman" panose="02020603050405020304" pitchFamily="18" charset="0"/>
               </a:rPr>
-              <a:t>Importing </a:t>
-            </a:r>
-            <a:r>
-              <a:rPr lang="en-US" b="1" kern="0" dirty="0" smtClean="0">
-                <a:latin typeface="Segoe UI" panose="020B0502040204020203" pitchFamily="34" charset="0"/>
-                <a:ea typeface="Times New Roman" panose="02020603050405020304" pitchFamily="18" charset="0"/>
-                <a:cs typeface="Times New Roman" panose="02020603050405020304" pitchFamily="18" charset="0"/>
-              </a:rPr>
-              <a:t>OData</a:t>
-            </a:r>
-            <a:endParaRPr lang="en-US" b="1" kern="0" dirty="0">
+              <a:t>Import OData</a:t>
+            </a:r>
+            <a:endParaRPr xmlns:a="http://schemas.openxmlformats.org/drawingml/2006/main" lang="en-US" b="1" kern="0" dirty="0">
               <a:latin typeface="Segoe UI" panose="020B0502040204020203" pitchFamily="34" charset="0"/>
               <a:ea typeface="Times New Roman" panose="02020603050405020304" pitchFamily="18" charset="0"/>
               <a:cs typeface="Times New Roman" panose="02020603050405020304" pitchFamily="18" charset="0"/>
@@ -3981,12 +3945,12 @@
           </a:bodyPr>
           <a:lstStyle/>
           <a:p>
-            <a:pPr lvl="0"/>
-            <a:r>
-              <a:rPr lang="fr-FR" dirty="0"/>
+            <a:pPr xmlns:a="http://schemas.openxmlformats.org/drawingml/2006/main" lvl="0"/>
+            <a:r xmlns:a="http://schemas.openxmlformats.org/drawingml/2006/main">
+              <a:rPr lang="en" dirty="0"/>
               <a:t>Select Web as data source</a:t>
             </a:r>
-            <a:endParaRPr lang="en-US" dirty="0"/>
+            <a:endParaRPr xmlns:a="http://schemas.openxmlformats.org/drawingml/2006/main" lang="en-US" dirty="0"/>
           </a:p>
         </p:txBody>
       </p:sp>
@@ -4053,7 +4017,7 @@
           </a:bodyPr>
           <a:lstStyle/>
           <a:p>
-            <a:pPr lvl="0">
+            <a:pPr xmlns:a="http://schemas.openxmlformats.org/drawingml/2006/main" lvl="0">
               <a:lnSpc>
                 <a:spcPct val="107000"/>
               </a:lnSpc>
@@ -4061,23 +4025,23 @@
                 <a:spcPts val="800"/>
               </a:spcAft>
             </a:pPr>
-            <a:r>
-              <a:rPr lang="en-US" b="1" dirty="0" smtClean="0">
+            <a:r xmlns:a="http://schemas.openxmlformats.org/drawingml/2006/main">
+              <a:rPr lang="en" b="1" dirty="0" smtClean="0">
                 <a:latin typeface="Segoe UI" panose="020B0502040204020203" pitchFamily="34" charset="0"/>
                 <a:ea typeface="Calibri" panose="020F0502020204030204" pitchFamily="34" charset="0"/>
                 <a:cs typeface="Times New Roman" panose="02020603050405020304" pitchFamily="18" charset="0"/>
               </a:rPr>
               <a:t>URL </a:t>
             </a:r>
-            <a:r>
-              <a:rPr lang="en-US" dirty="0" smtClean="0">
+            <a:r xmlns:a="http://schemas.openxmlformats.org/drawingml/2006/main">
+              <a:rPr lang="en" dirty="0" smtClean="0">
                 <a:latin typeface="Segoe UI" panose="020B0502040204020203" pitchFamily="34" charset="0"/>
                 <a:ea typeface="Calibri" panose="020F0502020204030204" pitchFamily="34" charset="0"/>
                 <a:cs typeface="Times New Roman" panose="02020603050405020304" pitchFamily="18" charset="0"/>
               </a:rPr>
               <a:t>field, enter the link</a:t>
             </a:r>
-            <a:endParaRPr lang="en-US" sz="1400" dirty="0">
+            <a:endParaRPr xmlns:a="http://schemas.openxmlformats.org/drawingml/2006/main" lang="en-US" sz="1400" dirty="0">
               <a:effectLst/>
               <a:latin typeface="Calibri" panose="020F0502020204030204" pitchFamily="34" charset="0"/>
               <a:ea typeface="Calibri" panose="020F0502020204030204" pitchFamily="34" charset="0"/>
@@ -4240,14 +4204,14 @@
       </p:sp>
       <p:sp>
         <p:nvSpPr>
-          <p:cNvPr id="5" name="TextBox 4"/>
+          <p:cNvPr id="7" name="TextBox 4"/>
           <p:cNvSpPr txBox="1"/>
           <p:nvPr/>
         </p:nvSpPr>
         <p:spPr>
           <a:xfrm>
-            <a:off x="2916199" y="2162433"/>
-            <a:ext cx="6230360" cy="1569660"/>
+            <a:off x="4402178" y="2685208"/>
+            <a:ext cx="3456395" cy="1569660"/>
           </a:xfrm>
           <a:prstGeom prst="rect">
             <a:avLst/>
@@ -4258,10 +4222,104 @@
           <a:bodyPr wrap="none" rtlCol="0">
             <a:spAutoFit/>
           </a:bodyPr>
-          <a:lstStyle/>
-          <a:p>
-            <a:r>
-              <a:rPr lang="en-US" sz="9600" b="1" dirty="0" smtClean="0">
+          <a:lstStyle>
+            <a:defPPr>
+              <a:defRPr lang="en-US"/>
+            </a:defPPr>
+            <a:lvl1pPr marL="0" algn="l" defTabSz="914400" rtl="0" eaLnBrk="1" latinLnBrk="0" hangingPunct="1">
+              <a:defRPr sz="1800" kern="1200">
+                <a:solidFill>
+                  <a:schemeClr val="tx1"/>
+                </a:solidFill>
+                <a:latin typeface="+mn-lt"/>
+                <a:ea typeface="+mn-ea"/>
+                <a:cs typeface="+mn-cs"/>
+              </a:defRPr>
+            </a:lvl1pPr>
+            <a:lvl2pPr marL="457200" algn="l" defTabSz="914400" rtl="0" eaLnBrk="1" latinLnBrk="0" hangingPunct="1">
+              <a:defRPr sz="1800" kern="1200">
+                <a:solidFill>
+                  <a:schemeClr val="tx1"/>
+                </a:solidFill>
+                <a:latin typeface="+mn-lt"/>
+                <a:ea typeface="+mn-ea"/>
+                <a:cs typeface="+mn-cs"/>
+              </a:defRPr>
+            </a:lvl2pPr>
+            <a:lvl3pPr marL="914400" algn="l" defTabSz="914400" rtl="0" eaLnBrk="1" latinLnBrk="0" hangingPunct="1">
+              <a:defRPr sz="1800" kern="1200">
+                <a:solidFill>
+                  <a:schemeClr val="tx1"/>
+                </a:solidFill>
+                <a:latin typeface="+mn-lt"/>
+                <a:ea typeface="+mn-ea"/>
+                <a:cs typeface="+mn-cs"/>
+              </a:defRPr>
+            </a:lvl3pPr>
+            <a:lvl4pPr marL="1371600" algn="l" defTabSz="914400" rtl="0" eaLnBrk="1" latinLnBrk="0" hangingPunct="1">
+              <a:defRPr sz="1800" kern="1200">
+                <a:solidFill>
+                  <a:schemeClr val="tx1"/>
+                </a:solidFill>
+                <a:latin typeface="+mn-lt"/>
+                <a:ea typeface="+mn-ea"/>
+                <a:cs typeface="+mn-cs"/>
+              </a:defRPr>
+            </a:lvl4pPr>
+            <a:lvl5pPr marL="1828800" algn="l" defTabSz="914400" rtl="0" eaLnBrk="1" latinLnBrk="0" hangingPunct="1">
+              <a:defRPr sz="1800" kern="1200">
+                <a:solidFill>
+                  <a:schemeClr val="tx1"/>
+                </a:solidFill>
+                <a:latin typeface="+mn-lt"/>
+                <a:ea typeface="+mn-ea"/>
+                <a:cs typeface="+mn-cs"/>
+              </a:defRPr>
+            </a:lvl5pPr>
+            <a:lvl6pPr marL="2286000" algn="l" defTabSz="914400" rtl="0" eaLnBrk="1" latinLnBrk="0" hangingPunct="1">
+              <a:defRPr sz="1800" kern="1200">
+                <a:solidFill>
+                  <a:schemeClr val="tx1"/>
+                </a:solidFill>
+                <a:latin typeface="+mn-lt"/>
+                <a:ea typeface="+mn-ea"/>
+                <a:cs typeface="+mn-cs"/>
+              </a:defRPr>
+            </a:lvl6pPr>
+            <a:lvl7pPr marL="2743200" algn="l" defTabSz="914400" rtl="0" eaLnBrk="1" latinLnBrk="0" hangingPunct="1">
+              <a:defRPr sz="1800" kern="1200">
+                <a:solidFill>
+                  <a:schemeClr val="tx1"/>
+                </a:solidFill>
+                <a:latin typeface="+mn-lt"/>
+                <a:ea typeface="+mn-ea"/>
+                <a:cs typeface="+mn-cs"/>
+              </a:defRPr>
+            </a:lvl7pPr>
+            <a:lvl8pPr marL="3200400" algn="l" defTabSz="914400" rtl="0" eaLnBrk="1" latinLnBrk="0" hangingPunct="1">
+              <a:defRPr sz="1800" kern="1200">
+                <a:solidFill>
+                  <a:schemeClr val="tx1"/>
+                </a:solidFill>
+                <a:latin typeface="+mn-lt"/>
+                <a:ea typeface="+mn-ea"/>
+                <a:cs typeface="+mn-cs"/>
+              </a:defRPr>
+            </a:lvl8pPr>
+            <a:lvl9pPr marL="3657600" algn="l" defTabSz="914400" rtl="0" eaLnBrk="1" latinLnBrk="0" hangingPunct="1">
+              <a:defRPr sz="1800" kern="1200">
+                <a:solidFill>
+                  <a:schemeClr val="tx1"/>
+                </a:solidFill>
+                <a:latin typeface="+mn-lt"/>
+                <a:ea typeface="+mn-ea"/>
+                <a:cs typeface="+mn-cs"/>
+              </a:defRPr>
+            </a:lvl9pPr>
+          </a:lstStyle>
+          <a:p>
+            <a:r xmlns:a="http://schemas.openxmlformats.org/drawingml/2006/main">
+              <a:rPr lang="en" sz="9600" b="1" dirty="0" smtClean="0">
                 <a:solidFill>
                   <a:srgbClr val="7030A0"/>
                 </a:solidFill>
@@ -4269,9 +4327,9 @@
                 <a:ea typeface="Verdana" panose="020B0604030504040204" pitchFamily="34" charset="0"/>
                 <a:cs typeface="Segoe UI" panose="020B0502040204020203" pitchFamily="34" charset="0"/>
               </a:rPr>
-              <a:t>Thank you</a:t>
-            </a:r>
-            <a:endParaRPr lang="en-US" sz="9600" b="1" dirty="0">
+              <a:t>THANKS</a:t>
+            </a:r>
+            <a:endParaRPr xmlns:a="http://schemas.openxmlformats.org/drawingml/2006/main" lang="en-US" sz="9600" b="1" dirty="0">
               <a:solidFill>
                 <a:srgbClr val="7030A0"/>
               </a:solidFill>
@@ -4284,14 +4342,14 @@
       </p:sp>
       <p:sp>
         <p:nvSpPr>
-          <p:cNvPr id="6" name="TextBox 5"/>
+          <p:cNvPr id="8" name="TextBox 5"/>
           <p:cNvSpPr txBox="1"/>
           <p:nvPr/>
         </p:nvSpPr>
         <p:spPr>
           <a:xfrm>
-            <a:off x="2990336" y="2217861"/>
-            <a:ext cx="6230360" cy="1569660"/>
+            <a:off x="4333426" y="2603133"/>
+            <a:ext cx="3456395" cy="1569660"/>
           </a:xfrm>
           <a:prstGeom prst="rect">
             <a:avLst/>
@@ -4302,10 +4360,104 @@
           <a:bodyPr wrap="none" rtlCol="0">
             <a:spAutoFit/>
           </a:bodyPr>
-          <a:lstStyle/>
-          <a:p>
-            <a:r>
-              <a:rPr lang="en-US" sz="9600" b="1" dirty="0" smtClean="0">
+          <a:lstStyle>
+            <a:defPPr>
+              <a:defRPr lang="en-US"/>
+            </a:defPPr>
+            <a:lvl1pPr marL="0" algn="l" defTabSz="914400" rtl="0" eaLnBrk="1" latinLnBrk="0" hangingPunct="1">
+              <a:defRPr sz="1800" kern="1200">
+                <a:solidFill>
+                  <a:schemeClr val="tx1"/>
+                </a:solidFill>
+                <a:latin typeface="+mn-lt"/>
+                <a:ea typeface="+mn-ea"/>
+                <a:cs typeface="+mn-cs"/>
+              </a:defRPr>
+            </a:lvl1pPr>
+            <a:lvl2pPr marL="457200" algn="l" defTabSz="914400" rtl="0" eaLnBrk="1" latinLnBrk="0" hangingPunct="1">
+              <a:defRPr sz="1800" kern="1200">
+                <a:solidFill>
+                  <a:schemeClr val="tx1"/>
+                </a:solidFill>
+                <a:latin typeface="+mn-lt"/>
+                <a:ea typeface="+mn-ea"/>
+                <a:cs typeface="+mn-cs"/>
+              </a:defRPr>
+            </a:lvl2pPr>
+            <a:lvl3pPr marL="914400" algn="l" defTabSz="914400" rtl="0" eaLnBrk="1" latinLnBrk="0" hangingPunct="1">
+              <a:defRPr sz="1800" kern="1200">
+                <a:solidFill>
+                  <a:schemeClr val="tx1"/>
+                </a:solidFill>
+                <a:latin typeface="+mn-lt"/>
+                <a:ea typeface="+mn-ea"/>
+                <a:cs typeface="+mn-cs"/>
+              </a:defRPr>
+            </a:lvl3pPr>
+            <a:lvl4pPr marL="1371600" algn="l" defTabSz="914400" rtl="0" eaLnBrk="1" latinLnBrk="0" hangingPunct="1">
+              <a:defRPr sz="1800" kern="1200">
+                <a:solidFill>
+                  <a:schemeClr val="tx1"/>
+                </a:solidFill>
+                <a:latin typeface="+mn-lt"/>
+                <a:ea typeface="+mn-ea"/>
+                <a:cs typeface="+mn-cs"/>
+              </a:defRPr>
+            </a:lvl4pPr>
+            <a:lvl5pPr marL="1828800" algn="l" defTabSz="914400" rtl="0" eaLnBrk="1" latinLnBrk="0" hangingPunct="1">
+              <a:defRPr sz="1800" kern="1200">
+                <a:solidFill>
+                  <a:schemeClr val="tx1"/>
+                </a:solidFill>
+                <a:latin typeface="+mn-lt"/>
+                <a:ea typeface="+mn-ea"/>
+                <a:cs typeface="+mn-cs"/>
+              </a:defRPr>
+            </a:lvl5pPr>
+            <a:lvl6pPr marL="2286000" algn="l" defTabSz="914400" rtl="0" eaLnBrk="1" latinLnBrk="0" hangingPunct="1">
+              <a:defRPr sz="1800" kern="1200">
+                <a:solidFill>
+                  <a:schemeClr val="tx1"/>
+                </a:solidFill>
+                <a:latin typeface="+mn-lt"/>
+                <a:ea typeface="+mn-ea"/>
+                <a:cs typeface="+mn-cs"/>
+              </a:defRPr>
+            </a:lvl6pPr>
+            <a:lvl7pPr marL="2743200" algn="l" defTabSz="914400" rtl="0" eaLnBrk="1" latinLnBrk="0" hangingPunct="1">
+              <a:defRPr sz="1800" kern="1200">
+                <a:solidFill>
+                  <a:schemeClr val="tx1"/>
+                </a:solidFill>
+                <a:latin typeface="+mn-lt"/>
+                <a:ea typeface="+mn-ea"/>
+                <a:cs typeface="+mn-cs"/>
+              </a:defRPr>
+            </a:lvl7pPr>
+            <a:lvl8pPr marL="3200400" algn="l" defTabSz="914400" rtl="0" eaLnBrk="1" latinLnBrk="0" hangingPunct="1">
+              <a:defRPr sz="1800" kern="1200">
+                <a:solidFill>
+                  <a:schemeClr val="tx1"/>
+                </a:solidFill>
+                <a:latin typeface="+mn-lt"/>
+                <a:ea typeface="+mn-ea"/>
+                <a:cs typeface="+mn-cs"/>
+              </a:defRPr>
+            </a:lvl8pPr>
+            <a:lvl9pPr marL="3657600" algn="l" defTabSz="914400" rtl="0" eaLnBrk="1" latinLnBrk="0" hangingPunct="1">
+              <a:defRPr sz="1800" kern="1200">
+                <a:solidFill>
+                  <a:schemeClr val="tx1"/>
+                </a:solidFill>
+                <a:latin typeface="+mn-lt"/>
+                <a:ea typeface="+mn-ea"/>
+                <a:cs typeface="+mn-cs"/>
+              </a:defRPr>
+            </a:lvl9pPr>
+          </a:lstStyle>
+          <a:p>
+            <a:r xmlns:a="http://schemas.openxmlformats.org/drawingml/2006/main">
+              <a:rPr lang="en" sz="9600" b="1" dirty="0" smtClean="0">
                 <a:solidFill>
                   <a:schemeClr val="bg1"/>
                 </a:solidFill>
@@ -4313,9 +4465,9 @@
                 <a:ea typeface="Verdana" panose="020B0604030504040204" pitchFamily="34" charset="0"/>
                 <a:cs typeface="Segoe UI" panose="020B0502040204020203" pitchFamily="34" charset="0"/>
               </a:rPr>
-              <a:t>Thank you</a:t>
-            </a:r>
-            <a:endParaRPr lang="en-US" sz="9600" b="1" dirty="0">
+              <a:t>THANKS</a:t>
+            </a:r>
+            <a:endParaRPr xmlns:a="http://schemas.openxmlformats.org/drawingml/2006/main" lang="en-US" sz="9600" b="1" dirty="0">
               <a:solidFill>
                 <a:schemeClr val="bg1"/>
               </a:solidFill>

--- a/English/1.Importation techniques/6.Importing OData.pptx
+++ b/English/1.Importation techniques/6.Importing OData.pptx
@@ -200,7 +200,7 @@
           <a:p>
             <a:fld id="{056BA3B8-9F76-4D81-B71D-76CB85363062}" type="datetimeFigureOut">
               <a:rPr lang="en-US" smtClean="0"/>
-              <a:t>2/25/2025</a:t>
+              <a:t>4/3/2025</a:t>
             </a:fld>
             <a:endParaRPr lang="en-US"/>
           </a:p>
@@ -767,7 +767,7 @@
           <a:p>
             <a:fld id="{6F01DA4D-20EA-48D2-973C-0311EC3005D6}" type="datetimeFigureOut">
               <a:rPr lang="en-US" smtClean="0"/>
-              <a:t>2/25/2025</a:t>
+              <a:t>4/3/2025</a:t>
             </a:fld>
             <a:endParaRPr lang="en-US"/>
           </a:p>
@@ -937,7 +937,7 @@
           <a:p>
             <a:fld id="{6F01DA4D-20EA-48D2-973C-0311EC3005D6}" type="datetimeFigureOut">
               <a:rPr lang="en-US" smtClean="0"/>
-              <a:t>2/25/2025</a:t>
+              <a:t>4/3/2025</a:t>
             </a:fld>
             <a:endParaRPr lang="en-US"/>
           </a:p>
@@ -1117,7 +1117,7 @@
           <a:p>
             <a:fld id="{6F01DA4D-20EA-48D2-973C-0311EC3005D6}" type="datetimeFigureOut">
               <a:rPr lang="en-US" smtClean="0"/>
-              <a:t>2/25/2025</a:t>
+              <a:t>4/3/2025</a:t>
             </a:fld>
             <a:endParaRPr lang="en-US"/>
           </a:p>
@@ -1287,7 +1287,7 @@
           <a:p>
             <a:fld id="{6F01DA4D-20EA-48D2-973C-0311EC3005D6}" type="datetimeFigureOut">
               <a:rPr lang="en-US" smtClean="0"/>
-              <a:t>2/25/2025</a:t>
+              <a:t>4/3/2025</a:t>
             </a:fld>
             <a:endParaRPr lang="en-US"/>
           </a:p>
@@ -1533,7 +1533,7 @@
           <a:p>
             <a:fld id="{6F01DA4D-20EA-48D2-973C-0311EC3005D6}" type="datetimeFigureOut">
               <a:rPr lang="en-US" smtClean="0"/>
-              <a:t>2/25/2025</a:t>
+              <a:t>4/3/2025</a:t>
             </a:fld>
             <a:endParaRPr lang="en-US"/>
           </a:p>
@@ -1765,7 +1765,7 @@
           <a:p>
             <a:fld id="{6F01DA4D-20EA-48D2-973C-0311EC3005D6}" type="datetimeFigureOut">
               <a:rPr lang="en-US" smtClean="0"/>
-              <a:t>2/25/2025</a:t>
+              <a:t>4/3/2025</a:t>
             </a:fld>
             <a:endParaRPr lang="en-US"/>
           </a:p>
@@ -2132,7 +2132,7 @@
           <a:p>
             <a:fld id="{6F01DA4D-20EA-48D2-973C-0311EC3005D6}" type="datetimeFigureOut">
               <a:rPr lang="en-US" smtClean="0"/>
-              <a:t>2/25/2025</a:t>
+              <a:t>4/3/2025</a:t>
             </a:fld>
             <a:endParaRPr lang="en-US"/>
           </a:p>
@@ -2250,7 +2250,7 @@
           <a:p>
             <a:fld id="{6F01DA4D-20EA-48D2-973C-0311EC3005D6}" type="datetimeFigureOut">
               <a:rPr lang="en-US" smtClean="0"/>
-              <a:t>2/25/2025</a:t>
+              <a:t>4/3/2025</a:t>
             </a:fld>
             <a:endParaRPr lang="en-US"/>
           </a:p>
@@ -2345,7 +2345,7 @@
           <a:p>
             <a:fld id="{6F01DA4D-20EA-48D2-973C-0311EC3005D6}" type="datetimeFigureOut">
               <a:rPr lang="en-US" smtClean="0"/>
-              <a:t>2/25/2025</a:t>
+              <a:t>4/3/2025</a:t>
             </a:fld>
             <a:endParaRPr lang="en-US"/>
           </a:p>
@@ -2622,7 +2622,7 @@
           <a:p>
             <a:fld id="{6F01DA4D-20EA-48D2-973C-0311EC3005D6}" type="datetimeFigureOut">
               <a:rPr lang="en-US" smtClean="0"/>
-              <a:t>2/25/2025</a:t>
+              <a:t>4/3/2025</a:t>
             </a:fld>
             <a:endParaRPr lang="en-US"/>
           </a:p>
@@ -2875,7 +2875,7 @@
           <a:p>
             <a:fld id="{6F01DA4D-20EA-48D2-973C-0311EC3005D6}" type="datetimeFigureOut">
               <a:rPr lang="en-US" smtClean="0"/>
-              <a:t>2/25/2025</a:t>
+              <a:t>4/3/2025</a:t>
             </a:fld>
             <a:endParaRPr lang="en-US"/>
           </a:p>
@@ -3088,7 +3088,7 @@
           <a:p>
             <a:fld id="{6F01DA4D-20EA-48D2-973C-0311EC3005D6}" type="datetimeFigureOut">
               <a:rPr lang="en-US" smtClean="0"/>
-              <a:t>2/25/2025</a:t>
+              <a:t>4/3/2025</a:t>
             </a:fld>
             <a:endParaRPr lang="en-US"/>
           </a:p>
@@ -3523,8 +3523,8 @@
           </a:bodyPr>
           <a:lstStyle/>
           <a:p>
-            <a:pPr xmlns:a="http://schemas.openxmlformats.org/drawingml/2006/main" algn="ctr"/>
-            <a:r xmlns:a="http://schemas.openxmlformats.org/drawingml/2006/main">
+            <a:pPr algn="ctr"/>
+            <a:r>
               <a:rPr lang="en" sz="8000" b="1" dirty="0" smtClean="0">
                 <a:solidFill>
                   <a:srgbClr val="7030A0"/>
@@ -3535,7 +3535,7 @@
               </a:rPr>
               <a:t>Import </a:t>
             </a:r>
-            <a:r xmlns:a="http://schemas.openxmlformats.org/drawingml/2006/main">
+            <a:r>
               <a:rPr lang="en" sz="8000" b="1" dirty="0" err="1" smtClean="0">
                 <a:solidFill>
                   <a:srgbClr val="7030A0"/>
@@ -3546,7 +3546,7 @@
               </a:rPr>
               <a:t>OData</a:t>
             </a:r>
-            <a:endParaRPr xmlns:a="http://schemas.openxmlformats.org/drawingml/2006/main" lang="en-US" sz="8000" b="1" dirty="0">
+            <a:endParaRPr lang="en-US" sz="8000" b="1" dirty="0">
               <a:solidFill>
                 <a:srgbClr val="7030A0"/>
               </a:solidFill>
@@ -3579,8 +3579,8 @@
           </a:bodyPr>
           <a:lstStyle/>
           <a:p>
-            <a:pPr xmlns:a="http://schemas.openxmlformats.org/drawingml/2006/main" algn="ctr"/>
-            <a:r xmlns:a="http://schemas.openxmlformats.org/drawingml/2006/main">
+            <a:pPr algn="ctr"/>
+            <a:r>
               <a:rPr lang="en" sz="8000" b="1" dirty="0" smtClean="0">
                 <a:solidFill>
                   <a:schemeClr val="bg1"/>
@@ -3591,7 +3591,7 @@
               </a:rPr>
               <a:t>Import OData</a:t>
             </a:r>
-            <a:endParaRPr xmlns:a="http://schemas.openxmlformats.org/drawingml/2006/main" lang="en-US" sz="8000" b="1" dirty="0">
+            <a:endParaRPr lang="en-US" sz="8000" b="1" dirty="0">
               <a:solidFill>
                 <a:schemeClr val="bg1"/>
               </a:solidFill>
@@ -3660,7 +3660,7 @@
           </a:bodyPr>
           <a:lstStyle/>
           <a:p>
-            <a:pPr xmlns:a="http://schemas.openxmlformats.org/drawingml/2006/main">
+            <a:pPr>
               <a:lnSpc>
                 <a:spcPct val="107000"/>
               </a:lnSpc>
@@ -3671,7 +3671,7 @@
                 <a:spcPts val="0"/>
               </a:spcAft>
             </a:pPr>
-            <a:r xmlns:a="http://schemas.openxmlformats.org/drawingml/2006/main">
+            <a:r>
               <a:rPr lang="en" b="1" kern="0" dirty="0" smtClean="0">
                 <a:latin typeface="Segoe UI" panose="020B0502040204020203" pitchFamily="34" charset="0"/>
                 <a:ea typeface="Times New Roman" panose="02020603050405020304" pitchFamily="18" charset="0"/>
@@ -3679,7 +3679,7 @@
               </a:rPr>
               <a:t>Import OData</a:t>
             </a:r>
-            <a:endParaRPr xmlns:a="http://schemas.openxmlformats.org/drawingml/2006/main" lang="en-US" b="1" kern="0" dirty="0">
+            <a:endParaRPr lang="en-US" b="1" kern="0" dirty="0">
               <a:latin typeface="Segoe UI" panose="020B0502040204020203" pitchFamily="34" charset="0"/>
               <a:ea typeface="Times New Roman" panose="02020603050405020304" pitchFamily="18" charset="0"/>
               <a:cs typeface="Times New Roman" panose="02020603050405020304" pitchFamily="18" charset="0"/>
@@ -3780,7 +3780,7 @@
           </a:bodyPr>
           <a:lstStyle/>
           <a:p>
-            <a:pPr xmlns:a="http://schemas.openxmlformats.org/drawingml/2006/main" marL="0" marR="0" lvl="0" indent="0" algn="l" defTabSz="914400" rtl="0" eaLnBrk="0" fontAlgn="base" latinLnBrk="0" hangingPunct="0">
+            <a:pPr marL="0" marR="0" lvl="0" indent="0" algn="l" defTabSz="914400" rtl="0" eaLnBrk="0" fontAlgn="base" latinLnBrk="0" hangingPunct="0">
               <a:lnSpc>
                 <a:spcPct val="100000"/>
               </a:lnSpc>
@@ -3796,7 +3796,7 @@
               <a:buNone/>
               <a:tabLst/>
             </a:pPr>
-            <a:r xmlns:a="http://schemas.openxmlformats.org/drawingml/2006/main">
+            <a:r>
               <a:rPr kumimoji="0" lang="en" altLang="en-US" sz="1800" b="0" i="0" u="none" strike="noStrike" cap="none" normalizeH="0" baseline="0" smtClean="0">
                 <a:ln>
                   <a:noFill/>
@@ -3809,7 +3809,7 @@
               </a:rPr>
               <a:t>Open the website </a:t>
             </a:r>
-            <a:r xmlns:a="http://schemas.openxmlformats.org/drawingml/2006/main" xmlns:r="http://schemas.openxmlformats.org/officeDocument/2006/relationships">
+            <a:r>
               <a:rPr kumimoji="0" lang="en" altLang="en-US" sz="1800" b="1" i="0" u="none" strike="noStrike" cap="none" normalizeH="0" baseline="0" smtClean="0">
                 <a:ln>
                   <a:noFill/>
@@ -3823,7 +3823,7 @@
               </a:rPr>
               <a:t>www.odata.org/odata-services </a:t>
             </a:r>
-            <a:r xmlns:a="http://schemas.openxmlformats.org/drawingml/2006/main">
+            <a:r>
               <a:rPr kumimoji="0" lang="en" altLang="en-US" sz="1800" b="0" i="0" u="none" strike="noStrike" cap="none" normalizeH="0" baseline="0" smtClean="0">
                 <a:ln>
                   <a:noFill/>
@@ -3897,7 +3897,7 @@
           </a:bodyPr>
           <a:lstStyle/>
           <a:p>
-            <a:pPr xmlns:a="http://schemas.openxmlformats.org/drawingml/2006/main">
+            <a:pPr>
               <a:lnSpc>
                 <a:spcPct val="107000"/>
               </a:lnSpc>
@@ -3908,7 +3908,7 @@
                 <a:spcPts val="0"/>
               </a:spcAft>
             </a:pPr>
-            <a:r xmlns:a="http://schemas.openxmlformats.org/drawingml/2006/main">
+            <a:r>
               <a:rPr lang="en" b="1" kern="0" dirty="0" smtClean="0">
                 <a:latin typeface="Segoe UI" panose="020B0502040204020203" pitchFamily="34" charset="0"/>
                 <a:ea typeface="Times New Roman" panose="02020603050405020304" pitchFamily="18" charset="0"/>
@@ -3916,7 +3916,7 @@
               </a:rPr>
               <a:t>Import OData</a:t>
             </a:r>
-            <a:endParaRPr xmlns:a="http://schemas.openxmlformats.org/drawingml/2006/main" lang="en-US" b="1" kern="0" dirty="0">
+            <a:endParaRPr lang="en-US" b="1" kern="0" dirty="0">
               <a:latin typeface="Segoe UI" panose="020B0502040204020203" pitchFamily="34" charset="0"/>
               <a:ea typeface="Times New Roman" panose="02020603050405020304" pitchFamily="18" charset="0"/>
               <a:cs typeface="Times New Roman" panose="02020603050405020304" pitchFamily="18" charset="0"/>
@@ -3945,12 +3945,12 @@
           </a:bodyPr>
           <a:lstStyle/>
           <a:p>
-            <a:pPr xmlns:a="http://schemas.openxmlformats.org/drawingml/2006/main" lvl="0"/>
-            <a:r xmlns:a="http://schemas.openxmlformats.org/drawingml/2006/main">
+            <a:pPr lvl="0"/>
+            <a:r>
               <a:rPr lang="en" dirty="0"/>
               <a:t>Select Web as data source</a:t>
             </a:r>
-            <a:endParaRPr xmlns:a="http://schemas.openxmlformats.org/drawingml/2006/main" lang="en-US" dirty="0"/>
+            <a:endParaRPr lang="en-US" dirty="0"/>
           </a:p>
         </p:txBody>
       </p:sp>
@@ -4017,7 +4017,7 @@
           </a:bodyPr>
           <a:lstStyle/>
           <a:p>
-            <a:pPr xmlns:a="http://schemas.openxmlformats.org/drawingml/2006/main" lvl="0">
+            <a:pPr lvl="0">
               <a:lnSpc>
                 <a:spcPct val="107000"/>
               </a:lnSpc>
@@ -4025,7 +4025,7 @@
                 <a:spcPts val="800"/>
               </a:spcAft>
             </a:pPr>
-            <a:r xmlns:a="http://schemas.openxmlformats.org/drawingml/2006/main">
+            <a:r>
               <a:rPr lang="en" b="1" dirty="0" smtClean="0">
                 <a:latin typeface="Segoe UI" panose="020B0502040204020203" pitchFamily="34" charset="0"/>
                 <a:ea typeface="Calibri" panose="020F0502020204030204" pitchFamily="34" charset="0"/>
@@ -4033,7 +4033,7 @@
               </a:rPr>
               <a:t>URL </a:t>
             </a:r>
-            <a:r xmlns:a="http://schemas.openxmlformats.org/drawingml/2006/main">
+            <a:r>
               <a:rPr lang="en" dirty="0" smtClean="0">
                 <a:latin typeface="Segoe UI" panose="020B0502040204020203" pitchFamily="34" charset="0"/>
                 <a:ea typeface="Calibri" panose="020F0502020204030204" pitchFamily="34" charset="0"/>
@@ -4041,7 +4041,7 @@
               </a:rPr>
               <a:t>field, enter the link</a:t>
             </a:r>
-            <a:endParaRPr xmlns:a="http://schemas.openxmlformats.org/drawingml/2006/main" lang="en-US" sz="1400" dirty="0">
+            <a:endParaRPr lang="en-US" sz="1400" dirty="0">
               <a:effectLst/>
               <a:latin typeface="Calibri" panose="020F0502020204030204" pitchFamily="34" charset="0"/>
               <a:ea typeface="Calibri" panose="020F0502020204030204" pitchFamily="34" charset="0"/>
@@ -4210,8 +4210,8 @@
         </p:nvSpPr>
         <p:spPr>
           <a:xfrm>
-            <a:off x="4402178" y="2685208"/>
-            <a:ext cx="3456395" cy="1569660"/>
+            <a:off x="2827378" y="2527164"/>
+            <a:ext cx="6230360" cy="1569660"/>
           </a:xfrm>
           <a:prstGeom prst="rect">
             <a:avLst/>
@@ -4318,8 +4318,8 @@
             </a:lvl9pPr>
           </a:lstStyle>
           <a:p>
-            <a:r xmlns:a="http://schemas.openxmlformats.org/drawingml/2006/main">
-              <a:rPr lang="en" sz="9600" b="1" dirty="0" smtClean="0">
+            <a:r>
+              <a:rPr lang="en-US" sz="9600" b="1" dirty="0" smtClean="0">
                 <a:solidFill>
                   <a:srgbClr val="7030A0"/>
                 </a:solidFill>
@@ -4327,9 +4327,9 @@
                 <a:ea typeface="Verdana" panose="020B0604030504040204" pitchFamily="34" charset="0"/>
                 <a:cs typeface="Segoe UI" panose="020B0502040204020203" pitchFamily="34" charset="0"/>
               </a:rPr>
-              <a:t>THANKS</a:t>
-            </a:r>
-            <a:endParaRPr xmlns:a="http://schemas.openxmlformats.org/drawingml/2006/main" lang="en-US" sz="9600" b="1" dirty="0">
+              <a:t>Thank you</a:t>
+            </a:r>
+            <a:endParaRPr lang="en-US" sz="9600" b="1" dirty="0">
               <a:solidFill>
                 <a:srgbClr val="7030A0"/>
               </a:solidFill>
@@ -4348,8 +4348,8 @@
         </p:nvSpPr>
         <p:spPr>
           <a:xfrm>
-            <a:off x="4333426" y="2603133"/>
-            <a:ext cx="3456395" cy="1569660"/>
+            <a:off x="2758626" y="2445089"/>
+            <a:ext cx="6230360" cy="1569660"/>
           </a:xfrm>
           <a:prstGeom prst="rect">
             <a:avLst/>
@@ -4456,8 +4456,8 @@
             </a:lvl9pPr>
           </a:lstStyle>
           <a:p>
-            <a:r xmlns:a="http://schemas.openxmlformats.org/drawingml/2006/main">
-              <a:rPr lang="en" sz="9600" b="1" dirty="0" smtClean="0">
+            <a:r>
+              <a:rPr lang="en-US" sz="9600" b="1" dirty="0" smtClean="0">
                 <a:solidFill>
                   <a:schemeClr val="bg1"/>
                 </a:solidFill>
@@ -4465,9 +4465,9 @@
                 <a:ea typeface="Verdana" panose="020B0604030504040204" pitchFamily="34" charset="0"/>
                 <a:cs typeface="Segoe UI" panose="020B0502040204020203" pitchFamily="34" charset="0"/>
               </a:rPr>
-              <a:t>THANKS</a:t>
-            </a:r>
-            <a:endParaRPr xmlns:a="http://schemas.openxmlformats.org/drawingml/2006/main" lang="en-US" sz="9600" b="1" dirty="0">
+              <a:t>Thank you</a:t>
+            </a:r>
+            <a:endParaRPr lang="en-US" sz="9600" b="1" dirty="0">
               <a:solidFill>
                 <a:schemeClr val="bg1"/>
               </a:solidFill>
